--- a/Intro-to-R-master/intro_to_r_slide.pptx
+++ b/Intro-to-R-master/intro_to_r_slide.pptx
@@ -5,8 +5,9 @@
     <p:sldMasterId id="2147483648" r:id="rId1"/>
   </p:sldMasterIdLst>
   <p:sldIdLst>
-    <p:sldId id="256" r:id="rId2"/>
-    <p:sldId id="257" r:id="rId3"/>
+    <p:sldId id="258" r:id="rId2"/>
+    <p:sldId id="256" r:id="rId3"/>
+    <p:sldId id="257" r:id="rId4"/>
   </p:sldIdLst>
   <p:sldSz cx="12192000" cy="6858000"/>
   <p:notesSz cx="6858000" cy="9144000"/>
@@ -105,6 +106,11 @@
       </a:defRPr>
     </a:lvl9pPr>
   </p:defaultTextStyle>
+  <p:extLst>
+    <p:ext uri="{EFAFB233-063F-42B5-8137-9DF3F51BA10A}">
+      <p15:sldGuideLst xmlns:p15="http://schemas.microsoft.com/office/powerpoint/2012/main"/>
+    </p:ext>
+  </p:extLst>
 </p:presentation>
 </file>
 
@@ -257,7 +263,7 @@
           <a:p>
             <a:fld id="{3B23EC7E-BCD4-FA40-A355-9C4843A3287E}" type="datetimeFigureOut">
               <a:rPr lang="en-US" smtClean="0"/>
-              <a:t>1/31/25</a:t>
+              <a:t>2/5/25</a:t>
             </a:fld>
             <a:endParaRPr lang="en-US"/>
           </a:p>
@@ -457,7 +463,7 @@
           <a:p>
             <a:fld id="{3B23EC7E-BCD4-FA40-A355-9C4843A3287E}" type="datetimeFigureOut">
               <a:rPr lang="en-US" smtClean="0"/>
-              <a:t>1/31/25</a:t>
+              <a:t>2/5/25</a:t>
             </a:fld>
             <a:endParaRPr lang="en-US"/>
           </a:p>
@@ -667,7 +673,7 @@
           <a:p>
             <a:fld id="{3B23EC7E-BCD4-FA40-A355-9C4843A3287E}" type="datetimeFigureOut">
               <a:rPr lang="en-US" smtClean="0"/>
-              <a:t>1/31/25</a:t>
+              <a:t>2/5/25</a:t>
             </a:fld>
             <a:endParaRPr lang="en-US"/>
           </a:p>
@@ -867,7 +873,7 @@
           <a:p>
             <a:fld id="{3B23EC7E-BCD4-FA40-A355-9C4843A3287E}" type="datetimeFigureOut">
               <a:rPr lang="en-US" smtClean="0"/>
-              <a:t>1/31/25</a:t>
+              <a:t>2/5/25</a:t>
             </a:fld>
             <a:endParaRPr lang="en-US"/>
           </a:p>
@@ -1143,7 +1149,7 @@
           <a:p>
             <a:fld id="{3B23EC7E-BCD4-FA40-A355-9C4843A3287E}" type="datetimeFigureOut">
               <a:rPr lang="en-US" smtClean="0"/>
-              <a:t>1/31/25</a:t>
+              <a:t>2/5/25</a:t>
             </a:fld>
             <a:endParaRPr lang="en-US"/>
           </a:p>
@@ -1411,7 +1417,7 @@
           <a:p>
             <a:fld id="{3B23EC7E-BCD4-FA40-A355-9C4843A3287E}" type="datetimeFigureOut">
               <a:rPr lang="en-US" smtClean="0"/>
-              <a:t>1/31/25</a:t>
+              <a:t>2/5/25</a:t>
             </a:fld>
             <a:endParaRPr lang="en-US"/>
           </a:p>
@@ -1826,7 +1832,7 @@
           <a:p>
             <a:fld id="{3B23EC7E-BCD4-FA40-A355-9C4843A3287E}" type="datetimeFigureOut">
               <a:rPr lang="en-US" smtClean="0"/>
-              <a:t>1/31/25</a:t>
+              <a:t>2/5/25</a:t>
             </a:fld>
             <a:endParaRPr lang="en-US"/>
           </a:p>
@@ -1968,7 +1974,7 @@
           <a:p>
             <a:fld id="{3B23EC7E-BCD4-FA40-A355-9C4843A3287E}" type="datetimeFigureOut">
               <a:rPr lang="en-US" smtClean="0"/>
-              <a:t>1/31/25</a:t>
+              <a:t>2/5/25</a:t>
             </a:fld>
             <a:endParaRPr lang="en-US"/>
           </a:p>
@@ -2081,7 +2087,7 @@
           <a:p>
             <a:fld id="{3B23EC7E-BCD4-FA40-A355-9C4843A3287E}" type="datetimeFigureOut">
               <a:rPr lang="en-US" smtClean="0"/>
-              <a:t>1/31/25</a:t>
+              <a:t>2/5/25</a:t>
             </a:fld>
             <a:endParaRPr lang="en-US"/>
           </a:p>
@@ -2394,7 +2400,7 @@
           <a:p>
             <a:fld id="{3B23EC7E-BCD4-FA40-A355-9C4843A3287E}" type="datetimeFigureOut">
               <a:rPr lang="en-US" smtClean="0"/>
-              <a:t>1/31/25</a:t>
+              <a:t>2/5/25</a:t>
             </a:fld>
             <a:endParaRPr lang="en-US"/>
           </a:p>
@@ -2683,7 +2689,7 @@
           <a:p>
             <a:fld id="{3B23EC7E-BCD4-FA40-A355-9C4843A3287E}" type="datetimeFigureOut">
               <a:rPr lang="en-US" smtClean="0"/>
-              <a:t>1/31/25</a:t>
+              <a:t>2/5/25</a:t>
             </a:fld>
             <a:endParaRPr lang="en-US"/>
           </a:p>
@@ -2926,7 +2932,7 @@
           <a:p>
             <a:fld id="{3B23EC7E-BCD4-FA40-A355-9C4843A3287E}" type="datetimeFigureOut">
               <a:rPr lang="en-US" smtClean="0"/>
-              <a:t>1/31/25</a:t>
+              <a:t>2/5/25</a:t>
             </a:fld>
             <a:endParaRPr lang="en-US"/>
           </a:p>
@@ -3331,7 +3337,13 @@
   <p:cSld>
     <p:spTree>
       <p:nvGrpSpPr>
-        <p:cNvPr id="1" name=""/>
+        <p:cNvPr id="1" name="">
+          <a:extLst>
+            <a:ext uri="{FF2B5EF4-FFF2-40B4-BE49-F238E27FC236}">
+              <a16:creationId xmlns:a16="http://schemas.microsoft.com/office/drawing/2014/main" id="{219E5224-E8AB-0266-C5DC-A1AA039723AD}"/>
+            </a:ext>
+          </a:extLst>
+        </p:cNvPr>
         <p:cNvGrpSpPr/>
         <p:nvPr/>
       </p:nvGrpSpPr>
@@ -3345,10 +3357,56 @@
       </p:grpSpPr>
       <p:sp>
         <p:nvSpPr>
+          <p:cNvPr id="11" name="Rectangle 10">
+            <a:extLst>
+              <a:ext uri="{FF2B5EF4-FFF2-40B4-BE49-F238E27FC236}">
+                <a16:creationId xmlns:a16="http://schemas.microsoft.com/office/drawing/2014/main" id="{82AFD03D-9D86-5003-64ED-A790EE806CF8}"/>
+              </a:ext>
+            </a:extLst>
+          </p:cNvPr>
+          <p:cNvSpPr/>
+          <p:nvPr/>
+        </p:nvSpPr>
+        <p:spPr>
+          <a:xfrm>
+            <a:off x="2861958" y="4937804"/>
+            <a:ext cx="6198670" cy="684650"/>
+          </a:xfrm>
+          <a:prstGeom prst="rect">
+            <a:avLst/>
+          </a:prstGeom>
+        </p:spPr>
+        <p:style>
+          <a:lnRef idx="2">
+            <a:schemeClr val="accent1">
+              <a:shade val="15000"/>
+            </a:schemeClr>
+          </a:lnRef>
+          <a:fillRef idx="1">
+            <a:schemeClr val="accent1"/>
+          </a:fillRef>
+          <a:effectRef idx="0">
+            <a:schemeClr val="accent1"/>
+          </a:effectRef>
+          <a:fontRef idx="minor">
+            <a:schemeClr val="lt1"/>
+          </a:fontRef>
+        </p:style>
+        <p:txBody>
+          <a:bodyPr rtlCol="0" anchor="ctr"/>
+          <a:lstStyle/>
+          <a:p>
+            <a:pPr algn="ctr"/>
+            <a:endParaRPr lang="en-US"/>
+          </a:p>
+        </p:txBody>
+      </p:sp>
+      <p:sp>
+        <p:nvSpPr>
           <p:cNvPr id="2" name="Title 1">
             <a:extLst>
               <a:ext uri="{FF2B5EF4-FFF2-40B4-BE49-F238E27FC236}">
-                <a16:creationId xmlns:a16="http://schemas.microsoft.com/office/drawing/2014/main" id="{F6013704-ADFC-58F8-1987-BEA976C51906}"/>
+                <a16:creationId xmlns:a16="http://schemas.microsoft.com/office/drawing/2014/main" id="{EB1AD164-999E-A62E-1558-AF86491DBEDF}"/>
               </a:ext>
             </a:extLst>
           </p:cNvPr>
@@ -3384,7 +3442,7 @@
           <p:cNvPr id="3" name="Subtitle 2">
             <a:extLst>
               <a:ext uri="{FF2B5EF4-FFF2-40B4-BE49-F238E27FC236}">
-                <a16:creationId xmlns:a16="http://schemas.microsoft.com/office/drawing/2014/main" id="{EA782C15-77D4-E93F-4BC9-4D2ABF0AF68F}"/>
+                <a16:creationId xmlns:a16="http://schemas.microsoft.com/office/drawing/2014/main" id="{40A59052-BEB2-6B59-BC1D-4DB38D00AB29}"/>
               </a:ext>
             </a:extLst>
           </p:cNvPr>
@@ -3420,7 +3478,7 @@
           <p:cNvPr id="1026" name="Picture 2" descr="Melbourne Integrative Genomics (MIG ...">
             <a:extLst>
               <a:ext uri="{FF2B5EF4-FFF2-40B4-BE49-F238E27FC236}">
-                <a16:creationId xmlns:a16="http://schemas.microsoft.com/office/drawing/2014/main" id="{BA9C7E3B-EFF0-914D-5F66-883E307A8DB5}"/>
+                <a16:creationId xmlns:a16="http://schemas.microsoft.com/office/drawing/2014/main" id="{D1273B56-D4FB-9DB4-5941-26D9B8A6821F}"/>
               </a:ext>
             </a:extLst>
           </p:cNvPr>
@@ -3464,6 +3522,419 @@
       </p:pic>
       <p:sp>
         <p:nvSpPr>
+          <p:cNvPr id="8" name="Rounded Rectangle 7">
+            <a:extLst>
+              <a:ext uri="{FF2B5EF4-FFF2-40B4-BE49-F238E27FC236}">
+                <a16:creationId xmlns:a16="http://schemas.microsoft.com/office/drawing/2014/main" id="{E6362F3C-A9E4-20AD-9780-3A83FD510A35}"/>
+              </a:ext>
+            </a:extLst>
+          </p:cNvPr>
+          <p:cNvSpPr/>
+          <p:nvPr/>
+        </p:nvSpPr>
+        <p:spPr>
+          <a:xfrm>
+            <a:off x="1736891" y="2831571"/>
+            <a:ext cx="8267471" cy="1688045"/>
+          </a:xfrm>
+          <a:prstGeom prst="roundRect">
+            <a:avLst/>
+          </a:prstGeom>
+        </p:spPr>
+        <p:style>
+          <a:lnRef idx="2">
+            <a:schemeClr val="accent5">
+              <a:shade val="15000"/>
+            </a:schemeClr>
+          </a:lnRef>
+          <a:fillRef idx="1">
+            <a:schemeClr val="accent5"/>
+          </a:fillRef>
+          <a:effectRef idx="0">
+            <a:schemeClr val="accent5"/>
+          </a:effectRef>
+          <a:fontRef idx="minor">
+            <a:schemeClr val="lt1"/>
+          </a:fontRef>
+        </p:style>
+        <p:txBody>
+          <a:bodyPr rtlCol="0" anchor="ctr"/>
+          <a:lstStyle/>
+          <a:p>
+            <a:r>
+              <a:rPr lang="en-US" b="1" dirty="0"/>
+              <a:t>You will need:</a:t>
+            </a:r>
+          </a:p>
+          <a:p>
+            <a:pPr marL="285750" indent="-285750">
+              <a:buFont typeface="Arial" panose="020B0604020202020204" pitchFamily="34" charset="0"/>
+              <a:buChar char="•"/>
+            </a:pPr>
+            <a:r>
+              <a:rPr lang="en-US" dirty="0"/>
+              <a:t>A computer with R, </a:t>
+            </a:r>
+            <a:r>
+              <a:rPr lang="en-US" dirty="0" err="1"/>
+              <a:t>Rstudio</a:t>
+            </a:r>
+            <a:r>
+              <a:rPr lang="en-US" dirty="0"/>
+              <a:t> and </a:t>
+            </a:r>
+            <a:r>
+              <a:rPr lang="en-US" dirty="0" err="1"/>
+              <a:t>tidyverse</a:t>
+            </a:r>
+            <a:r>
+              <a:rPr lang="en-US" dirty="0"/>
+              <a:t> installed</a:t>
+            </a:r>
+          </a:p>
+          <a:p>
+            <a:pPr marL="285750" indent="-285750">
+              <a:buFont typeface="Arial" panose="020B0604020202020204" pitchFamily="34" charset="0"/>
+              <a:buChar char="•"/>
+            </a:pPr>
+            <a:r>
+              <a:rPr lang="en-US" dirty="0"/>
+              <a:t>HTML workshop document – our main focus of today</a:t>
+            </a:r>
+          </a:p>
+          <a:p>
+            <a:pPr marL="285750" indent="-285750">
+              <a:buFont typeface="Arial" panose="020B0604020202020204" pitchFamily="34" charset="0"/>
+              <a:buChar char="•"/>
+            </a:pPr>
+            <a:r>
+              <a:rPr lang="en-US" dirty="0"/>
+              <a:t>Padlet link – extra questions to challenge yourself</a:t>
+            </a:r>
+          </a:p>
+          <a:p>
+            <a:pPr marL="285750" indent="-285750">
+              <a:buFont typeface="Arial" panose="020B0604020202020204" pitchFamily="34" charset="0"/>
+              <a:buChar char="•"/>
+            </a:pPr>
+            <a:r>
+              <a:rPr lang="en-US" dirty="0"/>
+              <a:t>Find these links on our </a:t>
+            </a:r>
+            <a:r>
+              <a:rPr lang="en-US" dirty="0" err="1"/>
+              <a:t>Github</a:t>
+            </a:r>
+            <a:r>
+              <a:rPr lang="en-US" dirty="0"/>
+              <a:t> page (emailed to you or scan QR)</a:t>
+            </a:r>
+          </a:p>
+        </p:txBody>
+      </p:sp>
+      <p:pic>
+        <p:nvPicPr>
+          <p:cNvPr id="10" name="Picture 9" descr="A qr code on a white background&#10;&#10;AI-generated content may be incorrect.">
+            <a:extLst>
+              <a:ext uri="{FF2B5EF4-FFF2-40B4-BE49-F238E27FC236}">
+                <a16:creationId xmlns:a16="http://schemas.microsoft.com/office/drawing/2014/main" id="{672EF9B8-7E7D-6CE6-1241-D0CB66BBD6BA}"/>
+              </a:ext>
+            </a:extLst>
+          </p:cNvPr>
+          <p:cNvPicPr>
+            <a:picLocks noChangeAspect="1"/>
+          </p:cNvPicPr>
+          <p:nvPr/>
+        </p:nvPicPr>
+        <p:blipFill>
+          <a:blip r:embed="rId3"/>
+          <a:stretch>
+            <a:fillRect/>
+          </a:stretch>
+        </p:blipFill>
+        <p:spPr>
+          <a:xfrm>
+            <a:off x="8605915" y="3072186"/>
+            <a:ext cx="1195819" cy="1174961"/>
+          </a:xfrm>
+          <a:prstGeom prst="rect">
+            <a:avLst/>
+          </a:prstGeom>
+        </p:spPr>
+      </p:pic>
+      <p:sp>
+        <p:nvSpPr>
+          <p:cNvPr id="4" name="TextBox 3">
+            <a:extLst>
+              <a:ext uri="{FF2B5EF4-FFF2-40B4-BE49-F238E27FC236}">
+                <a16:creationId xmlns:a16="http://schemas.microsoft.com/office/drawing/2014/main" id="{D3FF1054-6F89-31AE-7074-E61505978A57}"/>
+              </a:ext>
+            </a:extLst>
+          </p:cNvPr>
+          <p:cNvSpPr txBox="1"/>
+          <p:nvPr/>
+        </p:nvSpPr>
+        <p:spPr>
+          <a:xfrm>
+            <a:off x="2839060" y="4956963"/>
+            <a:ext cx="6263716" cy="646331"/>
+          </a:xfrm>
+          <a:prstGeom prst="rect">
+            <a:avLst/>
+          </a:prstGeom>
+          <a:noFill/>
+        </p:spPr>
+        <p:txBody>
+          <a:bodyPr wrap="square" rtlCol="0">
+            <a:spAutoFit/>
+          </a:bodyPr>
+          <a:lstStyle/>
+          <a:p>
+            <a:r>
+              <a:rPr lang="en-US" dirty="0">
+                <a:solidFill>
+                  <a:schemeClr val="bg1"/>
+                </a:solidFill>
+              </a:rPr>
+              <a:t>Please let us know before we start if you haven’t been able to install </a:t>
+            </a:r>
+            <a:r>
+              <a:rPr lang="en-US" b="1" dirty="0">
+                <a:solidFill>
+                  <a:schemeClr val="bg1"/>
+                </a:solidFill>
+              </a:rPr>
+              <a:t>R</a:t>
+            </a:r>
+            <a:r>
+              <a:rPr lang="en-US" dirty="0">
+                <a:solidFill>
+                  <a:schemeClr val="bg1"/>
+                </a:solidFill>
+              </a:rPr>
+              <a:t>, </a:t>
+            </a:r>
+            <a:r>
+              <a:rPr lang="en-US" b="1" dirty="0" err="1">
+                <a:solidFill>
+                  <a:schemeClr val="bg1"/>
+                </a:solidFill>
+              </a:rPr>
+              <a:t>Rstudio</a:t>
+            </a:r>
+            <a:r>
+              <a:rPr lang="en-US" dirty="0">
+                <a:solidFill>
+                  <a:schemeClr val="bg1"/>
+                </a:solidFill>
+              </a:rPr>
+              <a:t> and the </a:t>
+            </a:r>
+            <a:r>
+              <a:rPr lang="en-US" b="1" dirty="0" err="1">
+                <a:solidFill>
+                  <a:schemeClr val="bg1"/>
+                </a:solidFill>
+              </a:rPr>
+              <a:t>tidyverse</a:t>
+            </a:r>
+            <a:r>
+              <a:rPr lang="en-US" dirty="0">
+                <a:solidFill>
+                  <a:schemeClr val="bg1"/>
+                </a:solidFill>
+              </a:rPr>
+              <a:t> package</a:t>
+            </a:r>
+          </a:p>
+        </p:txBody>
+      </p:sp>
+      <p:sp>
+        <p:nvSpPr>
+          <p:cNvPr id="17" name="TextBox 16">
+            <a:extLst>
+              <a:ext uri="{FF2B5EF4-FFF2-40B4-BE49-F238E27FC236}">
+                <a16:creationId xmlns:a16="http://schemas.microsoft.com/office/drawing/2014/main" id="{971276CE-5647-9679-519D-2E18CA303743}"/>
+              </a:ext>
+            </a:extLst>
+          </p:cNvPr>
+          <p:cNvSpPr txBox="1"/>
+          <p:nvPr/>
+        </p:nvSpPr>
+        <p:spPr>
+          <a:xfrm>
+            <a:off x="4276319" y="1784035"/>
+            <a:ext cx="2315057" cy="646331"/>
+          </a:xfrm>
+          <a:prstGeom prst="rect">
+            <a:avLst/>
+          </a:prstGeom>
+          <a:noFill/>
+        </p:spPr>
+        <p:txBody>
+          <a:bodyPr wrap="none" rtlCol="0">
+            <a:spAutoFit/>
+          </a:bodyPr>
+          <a:lstStyle/>
+          <a:p>
+            <a:r>
+              <a:rPr lang="en-US" sz="3600" b="1" dirty="0"/>
+              <a:t>Welcome!</a:t>
+            </a:r>
+          </a:p>
+        </p:txBody>
+      </p:sp>
+    </p:spTree>
+    <p:extLst>
+      <p:ext uri="{BB962C8B-B14F-4D97-AF65-F5344CB8AC3E}">
+        <p14:creationId xmlns:p14="http://schemas.microsoft.com/office/powerpoint/2010/main" val="1525127599"/>
+      </p:ext>
+    </p:extLst>
+  </p:cSld>
+  <p:clrMapOvr>
+    <a:masterClrMapping/>
+  </p:clrMapOvr>
+</p:sld>
+</file>
+
+<file path=ppt/slides/slide2.xml><?xml version="1.0" encoding="utf-8"?>
+<p:sld xmlns:a="http://schemas.openxmlformats.org/drawingml/2006/main" xmlns:r="http://schemas.openxmlformats.org/officeDocument/2006/relationships" xmlns:p="http://schemas.openxmlformats.org/presentationml/2006/main">
+  <p:cSld>
+    <p:spTree>
+      <p:nvGrpSpPr>
+        <p:cNvPr id="1" name=""/>
+        <p:cNvGrpSpPr/>
+        <p:nvPr/>
+      </p:nvGrpSpPr>
+      <p:grpSpPr>
+        <a:xfrm>
+          <a:off x="0" y="0"/>
+          <a:ext cx="0" cy="0"/>
+          <a:chOff x="0" y="0"/>
+          <a:chExt cx="0" cy="0"/>
+        </a:xfrm>
+      </p:grpSpPr>
+      <p:sp>
+        <p:nvSpPr>
+          <p:cNvPr id="2" name="Title 1">
+            <a:extLst>
+              <a:ext uri="{FF2B5EF4-FFF2-40B4-BE49-F238E27FC236}">
+                <a16:creationId xmlns:a16="http://schemas.microsoft.com/office/drawing/2014/main" id="{F6013704-ADFC-58F8-1987-BEA976C51906}"/>
+              </a:ext>
+            </a:extLst>
+          </p:cNvPr>
+          <p:cNvSpPr>
+            <a:spLocks noGrp="1"/>
+          </p:cNvSpPr>
+          <p:nvPr>
+            <p:ph type="ctrTitle"/>
+          </p:nvPr>
+        </p:nvSpPr>
+        <p:spPr>
+          <a:xfrm>
+            <a:off x="0" y="0"/>
+            <a:ext cx="12192000" cy="694944"/>
+          </a:xfrm>
+        </p:spPr>
+        <p:txBody>
+          <a:bodyPr>
+            <a:noAutofit/>
+          </a:bodyPr>
+          <a:lstStyle/>
+          <a:p>
+            <a:pPr algn="l"/>
+            <a:r>
+              <a:rPr lang="en-US" sz="4400" dirty="0"/>
+              <a:t>Intro to R: Get started with an RNA-seq dataset</a:t>
+            </a:r>
+          </a:p>
+        </p:txBody>
+      </p:sp>
+      <p:sp>
+        <p:nvSpPr>
+          <p:cNvPr id="3" name="Subtitle 2">
+            <a:extLst>
+              <a:ext uri="{FF2B5EF4-FFF2-40B4-BE49-F238E27FC236}">
+                <a16:creationId xmlns:a16="http://schemas.microsoft.com/office/drawing/2014/main" id="{EA782C15-77D4-E93F-4BC9-4D2ABF0AF68F}"/>
+              </a:ext>
+            </a:extLst>
+          </p:cNvPr>
+          <p:cNvSpPr>
+            <a:spLocks noGrp="1"/>
+          </p:cNvSpPr>
+          <p:nvPr>
+            <p:ph type="subTitle" idx="1"/>
+          </p:nvPr>
+        </p:nvSpPr>
+        <p:spPr>
+          <a:xfrm>
+            <a:off x="0" y="694944"/>
+            <a:ext cx="5433848" cy="321141"/>
+          </a:xfrm>
+        </p:spPr>
+        <p:txBody>
+          <a:bodyPr>
+            <a:normAutofit fontScale="77500" lnSpcReduction="20000"/>
+          </a:bodyPr>
+          <a:lstStyle/>
+          <a:p>
+            <a:pPr algn="l"/>
+            <a:r>
+              <a:rPr lang="en-US" dirty="0"/>
+              <a:t>Saritha Kodikara, Eva Hamrud</a:t>
+            </a:r>
+          </a:p>
+        </p:txBody>
+      </p:sp>
+      <p:pic>
+        <p:nvPicPr>
+          <p:cNvPr id="1026" name="Picture 2" descr="Melbourne Integrative Genomics (MIG ...">
+            <a:extLst>
+              <a:ext uri="{FF2B5EF4-FFF2-40B4-BE49-F238E27FC236}">
+                <a16:creationId xmlns:a16="http://schemas.microsoft.com/office/drawing/2014/main" id="{BA9C7E3B-EFF0-914D-5F66-883E307A8DB5}"/>
+              </a:ext>
+            </a:extLst>
+          </p:cNvPr>
+          <p:cNvPicPr>
+            <a:picLocks noChangeAspect="1" noChangeArrowheads="1"/>
+          </p:cNvPicPr>
+          <p:nvPr/>
+        </p:nvPicPr>
+        <p:blipFill>
+          <a:blip r:embed="rId2">
+            <a:extLst>
+              <a:ext uri="{28A0092B-C50C-407E-A947-70E740481C1C}">
+                <a14:useLocalDpi xmlns:a14="http://schemas.microsoft.com/office/drawing/2010/main" val="0"/>
+              </a:ext>
+            </a:extLst>
+          </a:blip>
+          <a:srcRect/>
+          <a:stretch>
+            <a:fillRect/>
+          </a:stretch>
+        </p:blipFill>
+        <p:spPr bwMode="auto">
+          <a:xfrm>
+            <a:off x="10899698" y="19599"/>
+            <a:ext cx="1270000" cy="1270000"/>
+          </a:xfrm>
+          <a:prstGeom prst="rect">
+            <a:avLst/>
+          </a:prstGeom>
+          <a:noFill/>
+          <a:extLst>
+            <a:ext uri="{909E8E84-426E-40DD-AFC4-6F175D3DCCD1}">
+              <a14:hiddenFill xmlns:a14="http://schemas.microsoft.com/office/drawing/2010/main">
+                <a:solidFill>
+                  <a:srgbClr val="FFFFFF"/>
+                </a:solidFill>
+              </a14:hiddenFill>
+            </a:ext>
+          </a:extLst>
+        </p:spPr>
+      </p:pic>
+      <p:sp>
+        <p:nvSpPr>
           <p:cNvPr id="6" name="Rounded Rectangle 5">
             <a:extLst>
               <a:ext uri="{FF2B5EF4-FFF2-40B4-BE49-F238E27FC236}">
@@ -3825,7 +4296,7 @@
 </p:sld>
 </file>
 
-<file path=ppt/slides/slide2.xml><?xml version="1.0" encoding="utf-8"?>
+<file path=ppt/slides/slide3.xml><?xml version="1.0" encoding="utf-8"?>
 <p:sld xmlns:a="http://schemas.openxmlformats.org/drawingml/2006/main" xmlns:r="http://schemas.openxmlformats.org/officeDocument/2006/relationships" xmlns:p="http://schemas.openxmlformats.org/presentationml/2006/main">
   <p:cSld>
     <p:spTree>
